--- a/provider_pattern/provider_pattern.pptx
+++ b/provider_pattern/provider_pattern.pptx
@@ -307,7 +307,7 @@
           <a:p>
             <a:fld id="{65E8D58F-9A81-4FB8-B737-34FA90D5A3C9}" type="datetimeFigureOut">
               <a:rPr lang="ko-KR" altLang="en-US" smtClean="0"/>
-              <a:t>2022-11-17</a:t>
+              <a:t>2022-11-25</a:t>
             </a:fld>
             <a:endParaRPr lang="ko-KR" altLang="en-US"/>
           </a:p>
@@ -475,7 +475,7 @@
           <a:p>
             <a:fld id="{65E8D58F-9A81-4FB8-B737-34FA90D5A3C9}" type="datetimeFigureOut">
               <a:rPr lang="ko-KR" altLang="en-US" smtClean="0"/>
-              <a:t>2022-11-17</a:t>
+              <a:t>2022-11-25</a:t>
             </a:fld>
             <a:endParaRPr lang="ko-KR" altLang="en-US"/>
           </a:p>
@@ -653,7 +653,7 @@
           <a:p>
             <a:fld id="{65E8D58F-9A81-4FB8-B737-34FA90D5A3C9}" type="datetimeFigureOut">
               <a:rPr lang="ko-KR" altLang="en-US" smtClean="0"/>
-              <a:t>2022-11-17</a:t>
+              <a:t>2022-11-25</a:t>
             </a:fld>
             <a:endParaRPr lang="ko-KR" altLang="en-US"/>
           </a:p>
@@ -821,7 +821,7 @@
           <a:p>
             <a:fld id="{65E8D58F-9A81-4FB8-B737-34FA90D5A3C9}" type="datetimeFigureOut">
               <a:rPr lang="ko-KR" altLang="en-US" smtClean="0"/>
-              <a:t>2022-11-17</a:t>
+              <a:t>2022-11-25</a:t>
             </a:fld>
             <a:endParaRPr lang="ko-KR" altLang="en-US"/>
           </a:p>
@@ -1066,7 +1066,7 @@
           <a:p>
             <a:fld id="{65E8D58F-9A81-4FB8-B737-34FA90D5A3C9}" type="datetimeFigureOut">
               <a:rPr lang="ko-KR" altLang="en-US" smtClean="0"/>
-              <a:t>2022-11-17</a:t>
+              <a:t>2022-11-25</a:t>
             </a:fld>
             <a:endParaRPr lang="ko-KR" altLang="en-US"/>
           </a:p>
@@ -1351,7 +1351,7 @@
           <a:p>
             <a:fld id="{65E8D58F-9A81-4FB8-B737-34FA90D5A3C9}" type="datetimeFigureOut">
               <a:rPr lang="ko-KR" altLang="en-US" smtClean="0"/>
-              <a:t>2022-11-17</a:t>
+              <a:t>2022-11-25</a:t>
             </a:fld>
             <a:endParaRPr lang="ko-KR" altLang="en-US"/>
           </a:p>
@@ -1770,7 +1770,7 @@
           <a:p>
             <a:fld id="{65E8D58F-9A81-4FB8-B737-34FA90D5A3C9}" type="datetimeFigureOut">
               <a:rPr lang="ko-KR" altLang="en-US" smtClean="0"/>
-              <a:t>2022-11-17</a:t>
+              <a:t>2022-11-25</a:t>
             </a:fld>
             <a:endParaRPr lang="ko-KR" altLang="en-US"/>
           </a:p>
@@ -1887,7 +1887,7 @@
           <a:p>
             <a:fld id="{65E8D58F-9A81-4FB8-B737-34FA90D5A3C9}" type="datetimeFigureOut">
               <a:rPr lang="ko-KR" altLang="en-US" smtClean="0"/>
-              <a:t>2022-11-17</a:t>
+              <a:t>2022-11-25</a:t>
             </a:fld>
             <a:endParaRPr lang="ko-KR" altLang="en-US"/>
           </a:p>
@@ -1982,7 +1982,7 @@
           <a:p>
             <a:fld id="{65E8D58F-9A81-4FB8-B737-34FA90D5A3C9}" type="datetimeFigureOut">
               <a:rPr lang="ko-KR" altLang="en-US" smtClean="0"/>
-              <a:t>2022-11-17</a:t>
+              <a:t>2022-11-25</a:t>
             </a:fld>
             <a:endParaRPr lang="ko-KR" altLang="en-US"/>
           </a:p>
@@ -2257,7 +2257,7 @@
           <a:p>
             <a:fld id="{65E8D58F-9A81-4FB8-B737-34FA90D5A3C9}" type="datetimeFigureOut">
               <a:rPr lang="ko-KR" altLang="en-US" smtClean="0"/>
-              <a:t>2022-11-17</a:t>
+              <a:t>2022-11-25</a:t>
             </a:fld>
             <a:endParaRPr lang="ko-KR" altLang="en-US"/>
           </a:p>
@@ -2509,7 +2509,7 @@
           <a:p>
             <a:fld id="{65E8D58F-9A81-4FB8-B737-34FA90D5A3C9}" type="datetimeFigureOut">
               <a:rPr lang="ko-KR" altLang="en-US" smtClean="0"/>
-              <a:t>2022-11-17</a:t>
+              <a:t>2022-11-25</a:t>
             </a:fld>
             <a:endParaRPr lang="ko-KR" altLang="en-US"/>
           </a:p>
@@ -2720,7 +2720,7 @@
           <a:p>
             <a:fld id="{65E8D58F-9A81-4FB8-B737-34FA90D5A3C9}" type="datetimeFigureOut">
               <a:rPr lang="ko-KR" altLang="en-US" smtClean="0"/>
-              <a:t>2022-11-17</a:t>
+              <a:t>2022-11-25</a:t>
             </a:fld>
             <a:endParaRPr lang="ko-KR" altLang="en-US"/>
           </a:p>
@@ -4431,6 +4431,1843 @@
           <a:chExt cx="0" cy="0"/>
         </a:xfrm>
       </p:grpSpPr>
+      <p:sp>
+        <p:nvSpPr>
+          <p:cNvPr id="51" name="직사각형 50">
+            <a:extLst>
+              <a:ext uri="{FF2B5EF4-FFF2-40B4-BE49-F238E27FC236}">
+                <a16:creationId xmlns:a16="http://schemas.microsoft.com/office/drawing/2014/main" id="{E9662B64-A5B5-A85C-A119-A62A1065646A}"/>
+              </a:ext>
+            </a:extLst>
+          </p:cNvPr>
+          <p:cNvSpPr/>
+          <p:nvPr/>
+        </p:nvSpPr>
+        <p:spPr>
+          <a:xfrm>
+            <a:off x="467544" y="692696"/>
+            <a:ext cx="6484287" cy="4392488"/>
+          </a:xfrm>
+          <a:prstGeom prst="rect">
+            <a:avLst/>
+          </a:prstGeom>
+          <a:noFill/>
+          <a:ln w="12700">
+            <a:solidFill>
+              <a:schemeClr val="accent6">
+                <a:lumMod val="75000"/>
+              </a:schemeClr>
+            </a:solidFill>
+          </a:ln>
+        </p:spPr>
+        <p:style>
+          <a:lnRef idx="2">
+            <a:schemeClr val="accent1">
+              <a:shade val="50000"/>
+            </a:schemeClr>
+          </a:lnRef>
+          <a:fillRef idx="1">
+            <a:schemeClr val="accent1"/>
+          </a:fillRef>
+          <a:effectRef idx="0">
+            <a:schemeClr val="accent1"/>
+          </a:effectRef>
+          <a:fontRef idx="minor">
+            <a:schemeClr val="lt1"/>
+          </a:fontRef>
+        </p:style>
+        <p:txBody>
+          <a:bodyPr rtlCol="0" anchor="ctr"/>
+          <a:lstStyle/>
+          <a:p>
+            <a:pPr algn="ctr"/>
+            <a:endParaRPr lang="ko-KR" altLang="en-US"/>
+          </a:p>
+        </p:txBody>
+      </p:sp>
+      <p:sp>
+        <p:nvSpPr>
+          <p:cNvPr id="46" name="직사각형 45">
+            <a:extLst>
+              <a:ext uri="{FF2B5EF4-FFF2-40B4-BE49-F238E27FC236}">
+                <a16:creationId xmlns:a16="http://schemas.microsoft.com/office/drawing/2014/main" id="{2782B36C-A4BB-DFA3-1D10-D8D797835AC0}"/>
+              </a:ext>
+            </a:extLst>
+          </p:cNvPr>
+          <p:cNvSpPr/>
+          <p:nvPr/>
+        </p:nvSpPr>
+        <p:spPr>
+          <a:xfrm>
+            <a:off x="2489922" y="997510"/>
+            <a:ext cx="4026294" cy="2035596"/>
+          </a:xfrm>
+          <a:prstGeom prst="rect">
+            <a:avLst/>
+          </a:prstGeom>
+          <a:noFill/>
+          <a:ln w="12700"/>
+        </p:spPr>
+        <p:style>
+          <a:lnRef idx="2">
+            <a:schemeClr val="accent1">
+              <a:shade val="50000"/>
+            </a:schemeClr>
+          </a:lnRef>
+          <a:fillRef idx="1">
+            <a:schemeClr val="accent1"/>
+          </a:fillRef>
+          <a:effectRef idx="0">
+            <a:schemeClr val="accent1"/>
+          </a:effectRef>
+          <a:fontRef idx="minor">
+            <a:schemeClr val="lt1"/>
+          </a:fontRef>
+        </p:style>
+        <p:txBody>
+          <a:bodyPr rtlCol="0" anchor="ctr"/>
+          <a:lstStyle/>
+          <a:p>
+            <a:pPr algn="ctr"/>
+            <a:endParaRPr lang="ko-KR" altLang="en-US" dirty="0"/>
+          </a:p>
+        </p:txBody>
+      </p:sp>
+      <p:sp>
+        <p:nvSpPr>
+          <p:cNvPr id="2" name="직사각형 1">
+            <a:extLst>
+              <a:ext uri="{FF2B5EF4-FFF2-40B4-BE49-F238E27FC236}">
+                <a16:creationId xmlns:a16="http://schemas.microsoft.com/office/drawing/2014/main" id="{C172B317-89F2-5954-AF50-D694032437EB}"/>
+              </a:ext>
+            </a:extLst>
+          </p:cNvPr>
+          <p:cNvSpPr/>
+          <p:nvPr/>
+        </p:nvSpPr>
+        <p:spPr>
+          <a:xfrm>
+            <a:off x="578793" y="944875"/>
+            <a:ext cx="1512168" cy="328808"/>
+          </a:xfrm>
+          <a:prstGeom prst="rect">
+            <a:avLst/>
+          </a:prstGeom>
+          <a:noFill/>
+          <a:ln w="15875"/>
+        </p:spPr>
+        <p:style>
+          <a:lnRef idx="2">
+            <a:schemeClr val="accent1">
+              <a:shade val="50000"/>
+            </a:schemeClr>
+          </a:lnRef>
+          <a:fillRef idx="1">
+            <a:schemeClr val="accent1"/>
+          </a:fillRef>
+          <a:effectRef idx="0">
+            <a:schemeClr val="accent1"/>
+          </a:effectRef>
+          <a:fontRef idx="minor">
+            <a:schemeClr val="lt1"/>
+          </a:fontRef>
+        </p:style>
+        <p:txBody>
+          <a:bodyPr rtlCol="0" anchor="ctr"/>
+          <a:lstStyle/>
+          <a:p>
+            <a:pPr algn="ctr"/>
+            <a:endParaRPr lang="ko-KR" altLang="en-US" dirty="0"/>
+          </a:p>
+        </p:txBody>
+      </p:sp>
+      <p:sp>
+        <p:nvSpPr>
+          <p:cNvPr id="3" name="TextBox 2">
+            <a:extLst>
+              <a:ext uri="{FF2B5EF4-FFF2-40B4-BE49-F238E27FC236}">
+                <a16:creationId xmlns:a16="http://schemas.microsoft.com/office/drawing/2014/main" id="{7F3431D8-F923-582C-DD10-F76678CD0F23}"/>
+              </a:ext>
+            </a:extLst>
+          </p:cNvPr>
+          <p:cNvSpPr txBox="1"/>
+          <p:nvPr/>
+        </p:nvSpPr>
+        <p:spPr>
+          <a:xfrm>
+            <a:off x="722809" y="797532"/>
+            <a:ext cx="1037785" cy="276999"/>
+          </a:xfrm>
+          <a:prstGeom prst="rect">
+            <a:avLst/>
+          </a:prstGeom>
+          <a:solidFill>
+            <a:schemeClr val="bg1"/>
+          </a:solidFill>
+        </p:spPr>
+        <p:txBody>
+          <a:bodyPr wrap="none" rtlCol="0">
+            <a:spAutoFit/>
+          </a:bodyPr>
+          <a:lstStyle/>
+          <a:p>
+            <a:r>
+              <a:rPr lang="en-US" altLang="ko-KR" sz="1200" dirty="0"/>
+              <a:t>MaterialApp</a:t>
+            </a:r>
+            <a:endParaRPr lang="ko-KR" altLang="en-US" sz="1200" dirty="0"/>
+          </a:p>
+        </p:txBody>
+      </p:sp>
+      <p:sp>
+        <p:nvSpPr>
+          <p:cNvPr id="4" name="직사각형 3">
+            <a:extLst>
+              <a:ext uri="{FF2B5EF4-FFF2-40B4-BE49-F238E27FC236}">
+                <a16:creationId xmlns:a16="http://schemas.microsoft.com/office/drawing/2014/main" id="{846BB179-85E2-981E-BB98-651BC02E1DAF}"/>
+              </a:ext>
+            </a:extLst>
+          </p:cNvPr>
+          <p:cNvSpPr/>
+          <p:nvPr/>
+        </p:nvSpPr>
+        <p:spPr>
+          <a:xfrm>
+            <a:off x="578793" y="1376922"/>
+            <a:ext cx="1512168" cy="353906"/>
+          </a:xfrm>
+          <a:prstGeom prst="rect">
+            <a:avLst/>
+          </a:prstGeom>
+          <a:noFill/>
+          <a:ln w="15875"/>
+        </p:spPr>
+        <p:style>
+          <a:lnRef idx="2">
+            <a:schemeClr val="accent1">
+              <a:shade val="50000"/>
+            </a:schemeClr>
+          </a:lnRef>
+          <a:fillRef idx="1">
+            <a:schemeClr val="accent1"/>
+          </a:fillRef>
+          <a:effectRef idx="0">
+            <a:schemeClr val="accent1"/>
+          </a:effectRef>
+          <a:fontRef idx="minor">
+            <a:schemeClr val="lt1"/>
+          </a:fontRef>
+        </p:style>
+        <p:txBody>
+          <a:bodyPr rtlCol="0" anchor="ctr"/>
+          <a:lstStyle/>
+          <a:p>
+            <a:pPr algn="ctr"/>
+            <a:endParaRPr lang="ko-KR" altLang="en-US" dirty="0"/>
+          </a:p>
+        </p:txBody>
+      </p:sp>
+      <p:sp>
+        <p:nvSpPr>
+          <p:cNvPr id="5" name="TextBox 4">
+            <a:extLst>
+              <a:ext uri="{FF2B5EF4-FFF2-40B4-BE49-F238E27FC236}">
+                <a16:creationId xmlns:a16="http://schemas.microsoft.com/office/drawing/2014/main" id="{E5421865-3C56-DEDA-0CB4-2D8BB1AD4819}"/>
+              </a:ext>
+            </a:extLst>
+          </p:cNvPr>
+          <p:cNvSpPr txBox="1"/>
+          <p:nvPr/>
+        </p:nvSpPr>
+        <p:spPr>
+          <a:xfrm>
+            <a:off x="722809" y="1425777"/>
+            <a:ext cx="740908" cy="276999"/>
+          </a:xfrm>
+          <a:prstGeom prst="rect">
+            <a:avLst/>
+          </a:prstGeom>
+          <a:solidFill>
+            <a:schemeClr val="bg1"/>
+          </a:solidFill>
+        </p:spPr>
+        <p:txBody>
+          <a:bodyPr wrap="none" rtlCol="0">
+            <a:spAutoFit/>
+          </a:bodyPr>
+          <a:lstStyle/>
+          <a:p>
+            <a:r>
+              <a:rPr lang="en-US" altLang="ko-KR" sz="1200" dirty="0"/>
+              <a:t>Scaffold</a:t>
+            </a:r>
+            <a:endParaRPr lang="ko-KR" altLang="en-US" dirty="0"/>
+          </a:p>
+        </p:txBody>
+      </p:sp>
+      <p:sp>
+        <p:nvSpPr>
+          <p:cNvPr id="6" name="직사각형 5">
+            <a:extLst>
+              <a:ext uri="{FF2B5EF4-FFF2-40B4-BE49-F238E27FC236}">
+                <a16:creationId xmlns:a16="http://schemas.microsoft.com/office/drawing/2014/main" id="{88F1C006-F6B7-F971-D89A-4AEB7B3DF841}"/>
+              </a:ext>
+            </a:extLst>
+          </p:cNvPr>
+          <p:cNvSpPr/>
+          <p:nvPr/>
+        </p:nvSpPr>
+        <p:spPr>
+          <a:xfrm>
+            <a:off x="578793" y="2203719"/>
+            <a:ext cx="1512168" cy="353906"/>
+          </a:xfrm>
+          <a:prstGeom prst="rect">
+            <a:avLst/>
+          </a:prstGeom>
+          <a:noFill/>
+          <a:ln w="15875"/>
+        </p:spPr>
+        <p:style>
+          <a:lnRef idx="2">
+            <a:schemeClr val="accent1">
+              <a:shade val="50000"/>
+            </a:schemeClr>
+          </a:lnRef>
+          <a:fillRef idx="1">
+            <a:schemeClr val="accent1"/>
+          </a:fillRef>
+          <a:effectRef idx="0">
+            <a:schemeClr val="accent1"/>
+          </a:effectRef>
+          <a:fontRef idx="minor">
+            <a:schemeClr val="lt1"/>
+          </a:fontRef>
+        </p:style>
+        <p:txBody>
+          <a:bodyPr rtlCol="0" anchor="ctr"/>
+          <a:lstStyle/>
+          <a:p>
+            <a:pPr algn="ctr"/>
+            <a:endParaRPr lang="ko-KR" altLang="en-US" dirty="0"/>
+          </a:p>
+        </p:txBody>
+      </p:sp>
+      <p:sp>
+        <p:nvSpPr>
+          <p:cNvPr id="7" name="TextBox 6">
+            <a:extLst>
+              <a:ext uri="{FF2B5EF4-FFF2-40B4-BE49-F238E27FC236}">
+                <a16:creationId xmlns:a16="http://schemas.microsoft.com/office/drawing/2014/main" id="{69ADDA93-8CCB-61CD-9027-350D533E5472}"/>
+              </a:ext>
+            </a:extLst>
+          </p:cNvPr>
+          <p:cNvSpPr txBox="1"/>
+          <p:nvPr/>
+        </p:nvSpPr>
+        <p:spPr>
+          <a:xfrm>
+            <a:off x="722809" y="2252574"/>
+            <a:ext cx="904415" cy="276999"/>
+          </a:xfrm>
+          <a:prstGeom prst="rect">
+            <a:avLst/>
+          </a:prstGeom>
+          <a:solidFill>
+            <a:schemeClr val="bg1"/>
+          </a:solidFill>
+        </p:spPr>
+        <p:txBody>
+          <a:bodyPr wrap="none" rtlCol="0">
+            <a:spAutoFit/>
+          </a:bodyPr>
+          <a:lstStyle/>
+          <a:p>
+            <a:r>
+              <a:rPr lang="en-US" altLang="ko-KR" sz="1200" b="0" dirty="0">
+                <a:solidFill>
+                  <a:srgbClr val="185E73"/>
+                </a:solidFill>
+                <a:effectLst/>
+                <a:latin typeface="Consolas" panose="020B0609020204030204" pitchFamily="49" charset="0"/>
+              </a:rPr>
+              <a:t>High</a:t>
+            </a:r>
+            <a:r>
+              <a:rPr lang="en-US" altLang="ko-KR" sz="1200" dirty="0"/>
+              <a:t> class</a:t>
+            </a:r>
+            <a:endParaRPr lang="ko-KR" altLang="en-US" dirty="0"/>
+          </a:p>
+        </p:txBody>
+      </p:sp>
+      <p:sp>
+        <p:nvSpPr>
+          <p:cNvPr id="8" name="직사각형 7">
+            <a:extLst>
+              <a:ext uri="{FF2B5EF4-FFF2-40B4-BE49-F238E27FC236}">
+                <a16:creationId xmlns:a16="http://schemas.microsoft.com/office/drawing/2014/main" id="{1DD1DAA1-F3D4-1E1D-AADE-F621B4C740AD}"/>
+              </a:ext>
+            </a:extLst>
+          </p:cNvPr>
+          <p:cNvSpPr/>
+          <p:nvPr/>
+        </p:nvSpPr>
+        <p:spPr>
+          <a:xfrm>
+            <a:off x="578793" y="2679200"/>
+            <a:ext cx="1512168" cy="353906"/>
+          </a:xfrm>
+          <a:prstGeom prst="rect">
+            <a:avLst/>
+          </a:prstGeom>
+          <a:noFill/>
+          <a:ln w="15875"/>
+        </p:spPr>
+        <p:style>
+          <a:lnRef idx="2">
+            <a:schemeClr val="accent1">
+              <a:shade val="50000"/>
+            </a:schemeClr>
+          </a:lnRef>
+          <a:fillRef idx="1">
+            <a:schemeClr val="accent1"/>
+          </a:fillRef>
+          <a:effectRef idx="0">
+            <a:schemeClr val="accent1"/>
+          </a:effectRef>
+          <a:fontRef idx="minor">
+            <a:schemeClr val="lt1"/>
+          </a:fontRef>
+        </p:style>
+        <p:txBody>
+          <a:bodyPr rtlCol="0" anchor="ctr"/>
+          <a:lstStyle/>
+          <a:p>
+            <a:pPr algn="ctr"/>
+            <a:endParaRPr lang="ko-KR" altLang="en-US" dirty="0"/>
+          </a:p>
+        </p:txBody>
+      </p:sp>
+      <p:sp>
+        <p:nvSpPr>
+          <p:cNvPr id="9" name="TextBox 8">
+            <a:extLst>
+              <a:ext uri="{FF2B5EF4-FFF2-40B4-BE49-F238E27FC236}">
+                <a16:creationId xmlns:a16="http://schemas.microsoft.com/office/drawing/2014/main" id="{65932824-0132-BA63-1F8E-363FB541FCE3}"/>
+              </a:ext>
+            </a:extLst>
+          </p:cNvPr>
+          <p:cNvSpPr txBox="1"/>
+          <p:nvPr/>
+        </p:nvSpPr>
+        <p:spPr>
+          <a:xfrm>
+            <a:off x="722809" y="2728055"/>
+            <a:ext cx="1074333" cy="276999"/>
+          </a:xfrm>
+          <a:prstGeom prst="rect">
+            <a:avLst/>
+          </a:prstGeom>
+          <a:solidFill>
+            <a:schemeClr val="bg1"/>
+          </a:solidFill>
+        </p:spPr>
+        <p:txBody>
+          <a:bodyPr wrap="none" rtlCol="0">
+            <a:spAutoFit/>
+          </a:bodyPr>
+          <a:lstStyle/>
+          <a:p>
+            <a:r>
+              <a:rPr lang="en-US" altLang="ko-KR" sz="1200" b="0" dirty="0">
+                <a:solidFill>
+                  <a:srgbClr val="185E73"/>
+                </a:solidFill>
+                <a:effectLst/>
+                <a:latin typeface="Consolas" panose="020B0609020204030204" pitchFamily="49" charset="0"/>
+              </a:rPr>
+              <a:t>SpciyA</a:t>
+            </a:r>
+            <a:r>
+              <a:rPr lang="en-US" altLang="ko-KR" sz="1200" dirty="0"/>
+              <a:t> class</a:t>
+            </a:r>
+            <a:endParaRPr lang="ko-KR" altLang="en-US" dirty="0"/>
+          </a:p>
+        </p:txBody>
+      </p:sp>
+      <p:sp>
+        <p:nvSpPr>
+          <p:cNvPr id="10" name="직사각형 9">
+            <a:extLst>
+              <a:ext uri="{FF2B5EF4-FFF2-40B4-BE49-F238E27FC236}">
+                <a16:creationId xmlns:a16="http://schemas.microsoft.com/office/drawing/2014/main" id="{9077833C-4875-86DB-88D1-786D396951F9}"/>
+              </a:ext>
+            </a:extLst>
+          </p:cNvPr>
+          <p:cNvSpPr/>
+          <p:nvPr/>
+        </p:nvSpPr>
+        <p:spPr>
+          <a:xfrm>
+            <a:off x="578793" y="3139823"/>
+            <a:ext cx="1512168" cy="353906"/>
+          </a:xfrm>
+          <a:prstGeom prst="rect">
+            <a:avLst/>
+          </a:prstGeom>
+          <a:noFill/>
+          <a:ln w="15875"/>
+        </p:spPr>
+        <p:style>
+          <a:lnRef idx="2">
+            <a:schemeClr val="accent1">
+              <a:shade val="50000"/>
+            </a:schemeClr>
+          </a:lnRef>
+          <a:fillRef idx="1">
+            <a:schemeClr val="accent1"/>
+          </a:fillRef>
+          <a:effectRef idx="0">
+            <a:schemeClr val="accent1"/>
+          </a:effectRef>
+          <a:fontRef idx="minor">
+            <a:schemeClr val="lt1"/>
+          </a:fontRef>
+        </p:style>
+        <p:txBody>
+          <a:bodyPr rtlCol="0" anchor="ctr"/>
+          <a:lstStyle/>
+          <a:p>
+            <a:pPr algn="ctr"/>
+            <a:endParaRPr lang="ko-KR" altLang="en-US" dirty="0"/>
+          </a:p>
+        </p:txBody>
+      </p:sp>
+      <p:sp>
+        <p:nvSpPr>
+          <p:cNvPr id="11" name="TextBox 10">
+            <a:extLst>
+              <a:ext uri="{FF2B5EF4-FFF2-40B4-BE49-F238E27FC236}">
+                <a16:creationId xmlns:a16="http://schemas.microsoft.com/office/drawing/2014/main" id="{97AC6C34-DE83-7742-6C8B-880A9E6B7613}"/>
+              </a:ext>
+            </a:extLst>
+          </p:cNvPr>
+          <p:cNvSpPr txBox="1"/>
+          <p:nvPr/>
+        </p:nvSpPr>
+        <p:spPr>
+          <a:xfrm>
+            <a:off x="722809" y="3188678"/>
+            <a:ext cx="1074333" cy="276999"/>
+          </a:xfrm>
+          <a:prstGeom prst="rect">
+            <a:avLst/>
+          </a:prstGeom>
+          <a:solidFill>
+            <a:schemeClr val="bg1"/>
+          </a:solidFill>
+        </p:spPr>
+        <p:txBody>
+          <a:bodyPr wrap="none" rtlCol="0">
+            <a:spAutoFit/>
+          </a:bodyPr>
+          <a:lstStyle/>
+          <a:p>
+            <a:r>
+              <a:rPr lang="en-US" altLang="ko-KR" sz="1200" b="0" dirty="0">
+                <a:solidFill>
+                  <a:srgbClr val="185E73"/>
+                </a:solidFill>
+                <a:effectLst/>
+                <a:latin typeface="Consolas" panose="020B0609020204030204" pitchFamily="49" charset="0"/>
+              </a:rPr>
+              <a:t>Middle</a:t>
+            </a:r>
+            <a:r>
+              <a:rPr lang="en-US" altLang="ko-KR" sz="1200" dirty="0"/>
+              <a:t> class</a:t>
+            </a:r>
+            <a:endParaRPr lang="ko-KR" altLang="en-US" dirty="0"/>
+          </a:p>
+        </p:txBody>
+      </p:sp>
+      <p:cxnSp>
+        <p:nvCxnSpPr>
+          <p:cNvPr id="12" name="직선 화살표 연결선 11">
+            <a:extLst>
+              <a:ext uri="{FF2B5EF4-FFF2-40B4-BE49-F238E27FC236}">
+                <a16:creationId xmlns:a16="http://schemas.microsoft.com/office/drawing/2014/main" id="{F1EF631D-DDD3-9EA4-F1D1-3A3DDB93E2D0}"/>
+              </a:ext>
+            </a:extLst>
+          </p:cNvPr>
+          <p:cNvCxnSpPr>
+            <a:cxnSpLocks/>
+          </p:cNvCxnSpPr>
+          <p:nvPr/>
+        </p:nvCxnSpPr>
+        <p:spPr>
+          <a:xfrm>
+            <a:off x="1514897" y="1160898"/>
+            <a:ext cx="0" cy="442281"/>
+          </a:xfrm>
+          <a:prstGeom prst="straightConnector1">
+            <a:avLst/>
+          </a:prstGeom>
+          <a:ln>
+            <a:headEnd type="oval"/>
+            <a:tailEnd type="triangle"/>
+          </a:ln>
+        </p:spPr>
+        <p:style>
+          <a:lnRef idx="1">
+            <a:schemeClr val="accent1"/>
+          </a:lnRef>
+          <a:fillRef idx="0">
+            <a:schemeClr val="accent1"/>
+          </a:fillRef>
+          <a:effectRef idx="0">
+            <a:schemeClr val="accent1"/>
+          </a:effectRef>
+          <a:fontRef idx="minor">
+            <a:schemeClr val="tx1"/>
+          </a:fontRef>
+        </p:style>
+      </p:cxnSp>
+      <p:cxnSp>
+        <p:nvCxnSpPr>
+          <p:cNvPr id="13" name="직선 화살표 연결선 12">
+            <a:extLst>
+              <a:ext uri="{FF2B5EF4-FFF2-40B4-BE49-F238E27FC236}">
+                <a16:creationId xmlns:a16="http://schemas.microsoft.com/office/drawing/2014/main" id="{9617D3CA-5D56-381C-545C-7CF3205683BD}"/>
+              </a:ext>
+            </a:extLst>
+          </p:cNvPr>
+          <p:cNvCxnSpPr>
+            <a:cxnSpLocks/>
+          </p:cNvCxnSpPr>
+          <p:nvPr/>
+        </p:nvCxnSpPr>
+        <p:spPr>
+          <a:xfrm>
+            <a:off x="1619777" y="1640043"/>
+            <a:ext cx="0" cy="407441"/>
+          </a:xfrm>
+          <a:prstGeom prst="straightConnector1">
+            <a:avLst/>
+          </a:prstGeom>
+          <a:ln>
+            <a:headEnd type="oval"/>
+            <a:tailEnd type="triangle"/>
+          </a:ln>
+        </p:spPr>
+        <p:style>
+          <a:lnRef idx="1">
+            <a:schemeClr val="accent1"/>
+          </a:lnRef>
+          <a:fillRef idx="0">
+            <a:schemeClr val="accent1"/>
+          </a:fillRef>
+          <a:effectRef idx="0">
+            <a:schemeClr val="accent1"/>
+          </a:effectRef>
+          <a:fontRef idx="minor">
+            <a:schemeClr val="tx1"/>
+          </a:fontRef>
+        </p:style>
+      </p:cxnSp>
+      <p:cxnSp>
+        <p:nvCxnSpPr>
+          <p:cNvPr id="14" name="직선 화살표 연결선 13">
+            <a:extLst>
+              <a:ext uri="{FF2B5EF4-FFF2-40B4-BE49-F238E27FC236}">
+                <a16:creationId xmlns:a16="http://schemas.microsoft.com/office/drawing/2014/main" id="{C24C22B5-CE3A-F8FB-86A5-97A0CC863101}"/>
+              </a:ext>
+            </a:extLst>
+          </p:cNvPr>
+          <p:cNvCxnSpPr>
+            <a:cxnSpLocks/>
+          </p:cNvCxnSpPr>
+          <p:nvPr/>
+        </p:nvCxnSpPr>
+        <p:spPr>
+          <a:xfrm>
+            <a:off x="1758914" y="2466459"/>
+            <a:ext cx="0" cy="456901"/>
+          </a:xfrm>
+          <a:prstGeom prst="straightConnector1">
+            <a:avLst/>
+          </a:prstGeom>
+          <a:ln>
+            <a:headEnd type="oval"/>
+            <a:tailEnd type="triangle"/>
+          </a:ln>
+        </p:spPr>
+        <p:style>
+          <a:lnRef idx="1">
+            <a:schemeClr val="accent1"/>
+          </a:lnRef>
+          <a:fillRef idx="0">
+            <a:schemeClr val="accent1"/>
+          </a:fillRef>
+          <a:effectRef idx="0">
+            <a:schemeClr val="accent1"/>
+          </a:effectRef>
+          <a:fontRef idx="minor">
+            <a:schemeClr val="tx1"/>
+          </a:fontRef>
+        </p:style>
+      </p:cxnSp>
+      <p:cxnSp>
+        <p:nvCxnSpPr>
+          <p:cNvPr id="15" name="직선 화살표 연결선 14">
+            <a:extLst>
+              <a:ext uri="{FF2B5EF4-FFF2-40B4-BE49-F238E27FC236}">
+                <a16:creationId xmlns:a16="http://schemas.microsoft.com/office/drawing/2014/main" id="{671579BF-534B-A66F-2B32-CAA9FD0A01E7}"/>
+              </a:ext>
+            </a:extLst>
+          </p:cNvPr>
+          <p:cNvCxnSpPr>
+            <a:cxnSpLocks/>
+          </p:cNvCxnSpPr>
+          <p:nvPr/>
+        </p:nvCxnSpPr>
+        <p:spPr>
+          <a:xfrm>
+            <a:off x="1802929" y="2921210"/>
+            <a:ext cx="0" cy="456901"/>
+          </a:xfrm>
+          <a:prstGeom prst="straightConnector1">
+            <a:avLst/>
+          </a:prstGeom>
+          <a:ln>
+            <a:headEnd type="oval"/>
+            <a:tailEnd type="triangle"/>
+          </a:ln>
+        </p:spPr>
+        <p:style>
+          <a:lnRef idx="1">
+            <a:schemeClr val="accent1"/>
+          </a:lnRef>
+          <a:fillRef idx="0">
+            <a:schemeClr val="accent1"/>
+          </a:fillRef>
+          <a:effectRef idx="0">
+            <a:schemeClr val="accent1"/>
+          </a:effectRef>
+          <a:fontRef idx="minor">
+            <a:schemeClr val="tx1"/>
+          </a:fontRef>
+        </p:style>
+      </p:cxnSp>
+      <p:sp>
+        <p:nvSpPr>
+          <p:cNvPr id="16" name="직사각형 15">
+            <a:extLst>
+              <a:ext uri="{FF2B5EF4-FFF2-40B4-BE49-F238E27FC236}">
+                <a16:creationId xmlns:a16="http://schemas.microsoft.com/office/drawing/2014/main" id="{F9827E56-031C-D4DF-8967-559770A6177C}"/>
+              </a:ext>
+            </a:extLst>
+          </p:cNvPr>
+          <p:cNvSpPr/>
+          <p:nvPr/>
+        </p:nvSpPr>
+        <p:spPr>
+          <a:xfrm>
+            <a:off x="578793" y="3581396"/>
+            <a:ext cx="1512168" cy="353906"/>
+          </a:xfrm>
+          <a:prstGeom prst="rect">
+            <a:avLst/>
+          </a:prstGeom>
+          <a:noFill/>
+          <a:ln w="15875"/>
+        </p:spPr>
+        <p:style>
+          <a:lnRef idx="2">
+            <a:schemeClr val="accent1">
+              <a:shade val="50000"/>
+            </a:schemeClr>
+          </a:lnRef>
+          <a:fillRef idx="1">
+            <a:schemeClr val="accent1"/>
+          </a:fillRef>
+          <a:effectRef idx="0">
+            <a:schemeClr val="accent1"/>
+          </a:effectRef>
+          <a:fontRef idx="minor">
+            <a:schemeClr val="lt1"/>
+          </a:fontRef>
+        </p:style>
+        <p:txBody>
+          <a:bodyPr rtlCol="0" anchor="ctr"/>
+          <a:lstStyle/>
+          <a:p>
+            <a:pPr algn="ctr"/>
+            <a:endParaRPr lang="ko-KR" altLang="en-US" dirty="0"/>
+          </a:p>
+        </p:txBody>
+      </p:sp>
+      <p:sp>
+        <p:nvSpPr>
+          <p:cNvPr id="17" name="TextBox 16">
+            <a:extLst>
+              <a:ext uri="{FF2B5EF4-FFF2-40B4-BE49-F238E27FC236}">
+                <a16:creationId xmlns:a16="http://schemas.microsoft.com/office/drawing/2014/main" id="{DD52EE5D-635F-83BC-761C-986B67682C87}"/>
+              </a:ext>
+            </a:extLst>
+          </p:cNvPr>
+          <p:cNvSpPr txBox="1"/>
+          <p:nvPr/>
+        </p:nvSpPr>
+        <p:spPr>
+          <a:xfrm>
+            <a:off x="722809" y="3630251"/>
+            <a:ext cx="1074333" cy="276999"/>
+          </a:xfrm>
+          <a:prstGeom prst="rect">
+            <a:avLst/>
+          </a:prstGeom>
+          <a:solidFill>
+            <a:schemeClr val="bg1"/>
+          </a:solidFill>
+        </p:spPr>
+        <p:txBody>
+          <a:bodyPr wrap="none" rtlCol="0">
+            <a:spAutoFit/>
+          </a:bodyPr>
+          <a:lstStyle/>
+          <a:p>
+            <a:r>
+              <a:rPr lang="en-US" altLang="ko-KR" sz="1200" b="0" dirty="0">
+                <a:solidFill>
+                  <a:srgbClr val="185E73"/>
+                </a:solidFill>
+                <a:effectLst/>
+                <a:latin typeface="Consolas" panose="020B0609020204030204" pitchFamily="49" charset="0"/>
+              </a:rPr>
+              <a:t>SpicyB</a:t>
+            </a:r>
+            <a:r>
+              <a:rPr lang="en-US" altLang="ko-KR" sz="1200" dirty="0"/>
+              <a:t> class</a:t>
+            </a:r>
+            <a:endParaRPr lang="ko-KR" altLang="en-US" dirty="0"/>
+          </a:p>
+        </p:txBody>
+      </p:sp>
+      <p:cxnSp>
+        <p:nvCxnSpPr>
+          <p:cNvPr id="18" name="직선 화살표 연결선 17">
+            <a:extLst>
+              <a:ext uri="{FF2B5EF4-FFF2-40B4-BE49-F238E27FC236}">
+                <a16:creationId xmlns:a16="http://schemas.microsoft.com/office/drawing/2014/main" id="{8E2EC561-A9CA-EB52-3302-9365239DBFF6}"/>
+              </a:ext>
+            </a:extLst>
+          </p:cNvPr>
+          <p:cNvCxnSpPr>
+            <a:cxnSpLocks/>
+          </p:cNvCxnSpPr>
+          <p:nvPr/>
+        </p:nvCxnSpPr>
+        <p:spPr>
+          <a:xfrm>
+            <a:off x="1874937" y="3361182"/>
+            <a:ext cx="0" cy="456901"/>
+          </a:xfrm>
+          <a:prstGeom prst="straightConnector1">
+            <a:avLst/>
+          </a:prstGeom>
+          <a:ln>
+            <a:headEnd type="oval"/>
+            <a:tailEnd type="triangle"/>
+          </a:ln>
+        </p:spPr>
+        <p:style>
+          <a:lnRef idx="1">
+            <a:schemeClr val="accent1"/>
+          </a:lnRef>
+          <a:fillRef idx="0">
+            <a:schemeClr val="accent1"/>
+          </a:fillRef>
+          <a:effectRef idx="0">
+            <a:schemeClr val="accent1"/>
+          </a:effectRef>
+          <a:fontRef idx="minor">
+            <a:schemeClr val="tx1"/>
+          </a:fontRef>
+        </p:style>
+      </p:cxnSp>
+      <p:grpSp>
+        <p:nvGrpSpPr>
+          <p:cNvPr id="21" name="그룹 20">
+            <a:extLst>
+              <a:ext uri="{FF2B5EF4-FFF2-40B4-BE49-F238E27FC236}">
+                <a16:creationId xmlns:a16="http://schemas.microsoft.com/office/drawing/2014/main" id="{1199F8E5-EEF7-518A-1662-25C969E3826F}"/>
+              </a:ext>
+            </a:extLst>
+          </p:cNvPr>
+          <p:cNvGrpSpPr/>
+          <p:nvPr/>
+        </p:nvGrpSpPr>
+        <p:grpSpPr>
+          <a:xfrm>
+            <a:off x="2660298" y="1368257"/>
+            <a:ext cx="2703790" cy="669037"/>
+            <a:chOff x="611560" y="125733"/>
+            <a:chExt cx="1512168" cy="428267"/>
+          </a:xfrm>
+          <a:solidFill>
+            <a:schemeClr val="bg1">
+              <a:lumMod val="95000"/>
+            </a:schemeClr>
+          </a:solidFill>
+        </p:grpSpPr>
+        <p:sp>
+          <p:nvSpPr>
+            <p:cNvPr id="19" name="직사각형 18">
+              <a:extLst>
+                <a:ext uri="{FF2B5EF4-FFF2-40B4-BE49-F238E27FC236}">
+                  <a16:creationId xmlns:a16="http://schemas.microsoft.com/office/drawing/2014/main" id="{E5B7B85D-DBDB-AF97-6505-BD3553B728A0}"/>
+                </a:ext>
+              </a:extLst>
+            </p:cNvPr>
+            <p:cNvSpPr/>
+            <p:nvPr/>
+          </p:nvSpPr>
+          <p:spPr>
+            <a:xfrm>
+              <a:off x="611560" y="125733"/>
+              <a:ext cx="1512168" cy="428267"/>
+            </a:xfrm>
+            <a:prstGeom prst="rect">
+              <a:avLst/>
+            </a:prstGeom>
+            <a:grpFill/>
+            <a:ln w="12700"/>
+          </p:spPr>
+          <p:style>
+            <a:lnRef idx="2">
+              <a:schemeClr val="accent1">
+                <a:shade val="50000"/>
+              </a:schemeClr>
+            </a:lnRef>
+            <a:fillRef idx="1">
+              <a:schemeClr val="accent1"/>
+            </a:fillRef>
+            <a:effectRef idx="0">
+              <a:schemeClr val="accent1"/>
+            </a:effectRef>
+            <a:fontRef idx="minor">
+              <a:schemeClr val="lt1"/>
+            </a:fontRef>
+          </p:style>
+          <p:txBody>
+            <a:bodyPr rtlCol="0" anchor="ctr"/>
+            <a:lstStyle/>
+            <a:p>
+              <a:pPr algn="ctr"/>
+              <a:endParaRPr lang="ko-KR" altLang="en-US" dirty="0"/>
+            </a:p>
+          </p:txBody>
+        </p:sp>
+        <p:sp>
+          <p:nvSpPr>
+            <p:cNvPr id="20" name="TextBox 19">
+              <a:extLst>
+                <a:ext uri="{FF2B5EF4-FFF2-40B4-BE49-F238E27FC236}">
+                  <a16:creationId xmlns:a16="http://schemas.microsoft.com/office/drawing/2014/main" id="{99A0BE54-6C25-8F80-146A-4C1ED45A60A9}"/>
+                </a:ext>
+              </a:extLst>
+            </p:cNvPr>
+            <p:cNvSpPr txBox="1"/>
+            <p:nvPr/>
+          </p:nvSpPr>
+          <p:spPr>
+            <a:xfrm>
+              <a:off x="728642" y="246419"/>
+              <a:ext cx="904415" cy="276999"/>
+            </a:xfrm>
+            <a:prstGeom prst="rect">
+              <a:avLst/>
+            </a:prstGeom>
+            <a:grpFill/>
+          </p:spPr>
+          <p:txBody>
+            <a:bodyPr wrap="none" rtlCol="0">
+              <a:spAutoFit/>
+            </a:bodyPr>
+            <a:lstStyle/>
+            <a:p>
+              <a:r>
+                <a:rPr lang="en-US" altLang="ko-KR" sz="1200" dirty="0"/>
+                <a:t>FishModel</a:t>
+              </a:r>
+              <a:endParaRPr lang="ko-KR" altLang="en-US" sz="1200" dirty="0"/>
+            </a:p>
+          </p:txBody>
+        </p:sp>
+      </p:grpSp>
+      <p:grpSp>
+        <p:nvGrpSpPr>
+          <p:cNvPr id="25" name="그룹 24">
+            <a:extLst>
+              <a:ext uri="{FF2B5EF4-FFF2-40B4-BE49-F238E27FC236}">
+                <a16:creationId xmlns:a16="http://schemas.microsoft.com/office/drawing/2014/main" id="{EFF2C62E-7004-E6E6-3D4E-2EFC6445CBFF}"/>
+              </a:ext>
+            </a:extLst>
+          </p:cNvPr>
+          <p:cNvGrpSpPr/>
+          <p:nvPr/>
+        </p:nvGrpSpPr>
+        <p:grpSpPr>
+          <a:xfrm>
+            <a:off x="2660298" y="2264429"/>
+            <a:ext cx="2703790" cy="669037"/>
+            <a:chOff x="611560" y="125733"/>
+            <a:chExt cx="1512168" cy="428267"/>
+          </a:xfrm>
+          <a:solidFill>
+            <a:schemeClr val="bg1">
+              <a:lumMod val="95000"/>
+            </a:schemeClr>
+          </a:solidFill>
+        </p:grpSpPr>
+        <p:sp>
+          <p:nvSpPr>
+            <p:cNvPr id="26" name="직사각형 25">
+              <a:extLst>
+                <a:ext uri="{FF2B5EF4-FFF2-40B4-BE49-F238E27FC236}">
+                  <a16:creationId xmlns:a16="http://schemas.microsoft.com/office/drawing/2014/main" id="{739C17BD-9834-2B84-9C77-F29B9084A317}"/>
+                </a:ext>
+              </a:extLst>
+            </p:cNvPr>
+            <p:cNvSpPr/>
+            <p:nvPr/>
+          </p:nvSpPr>
+          <p:spPr>
+            <a:xfrm>
+              <a:off x="611560" y="125733"/>
+              <a:ext cx="1512168" cy="428267"/>
+            </a:xfrm>
+            <a:prstGeom prst="rect">
+              <a:avLst/>
+            </a:prstGeom>
+            <a:grpFill/>
+            <a:ln w="12700"/>
+          </p:spPr>
+          <p:style>
+            <a:lnRef idx="2">
+              <a:schemeClr val="accent1">
+                <a:shade val="50000"/>
+              </a:schemeClr>
+            </a:lnRef>
+            <a:fillRef idx="1">
+              <a:schemeClr val="accent1"/>
+            </a:fillRef>
+            <a:effectRef idx="0">
+              <a:schemeClr val="accent1"/>
+            </a:effectRef>
+            <a:fontRef idx="minor">
+              <a:schemeClr val="lt1"/>
+            </a:fontRef>
+          </p:style>
+          <p:txBody>
+            <a:bodyPr rtlCol="0" anchor="ctr"/>
+            <a:lstStyle/>
+            <a:p>
+              <a:pPr algn="ctr"/>
+              <a:endParaRPr lang="ko-KR" altLang="en-US" dirty="0"/>
+            </a:p>
+          </p:txBody>
+        </p:sp>
+        <p:sp>
+          <p:nvSpPr>
+            <p:cNvPr id="27" name="TextBox 26">
+              <a:extLst>
+                <a:ext uri="{FF2B5EF4-FFF2-40B4-BE49-F238E27FC236}">
+                  <a16:creationId xmlns:a16="http://schemas.microsoft.com/office/drawing/2014/main" id="{BE08973A-486F-DCF2-268D-082D1AE562D8}"/>
+                </a:ext>
+              </a:extLst>
+            </p:cNvPr>
+            <p:cNvSpPr txBox="1"/>
+            <p:nvPr/>
+          </p:nvSpPr>
+          <p:spPr>
+            <a:xfrm>
+              <a:off x="728642" y="271546"/>
+              <a:ext cx="1149674" cy="276999"/>
+            </a:xfrm>
+            <a:prstGeom prst="rect">
+              <a:avLst/>
+            </a:prstGeom>
+            <a:grpFill/>
+          </p:spPr>
+          <p:txBody>
+            <a:bodyPr wrap="none" rtlCol="0">
+              <a:spAutoFit/>
+            </a:bodyPr>
+            <a:lstStyle/>
+            <a:p>
+              <a:r>
+                <a:rPr lang="en-US" altLang="ko-KR" sz="1200" dirty="0"/>
+                <a:t>SeaFishModel</a:t>
+              </a:r>
+              <a:endParaRPr lang="ko-KR" altLang="en-US" sz="1200" dirty="0"/>
+            </a:p>
+          </p:txBody>
+        </p:sp>
+      </p:grpSp>
+      <p:sp>
+        <p:nvSpPr>
+          <p:cNvPr id="29" name="TextBox 28">
+            <a:extLst>
+              <a:ext uri="{FF2B5EF4-FFF2-40B4-BE49-F238E27FC236}">
+                <a16:creationId xmlns:a16="http://schemas.microsoft.com/office/drawing/2014/main" id="{A91A52F3-8AC5-2825-0615-4FFE8EB66C81}"/>
+              </a:ext>
+            </a:extLst>
+          </p:cNvPr>
+          <p:cNvSpPr txBox="1"/>
+          <p:nvPr/>
+        </p:nvSpPr>
+        <p:spPr>
+          <a:xfrm>
+            <a:off x="2307611" y="3327926"/>
+            <a:ext cx="4644220" cy="1200329"/>
+          </a:xfrm>
+          <a:prstGeom prst="rect">
+            <a:avLst/>
+          </a:prstGeom>
+          <a:noFill/>
+        </p:spPr>
+        <p:txBody>
+          <a:bodyPr wrap="none" rtlCol="0">
+            <a:spAutoFit/>
+          </a:bodyPr>
+          <a:lstStyle/>
+          <a:p>
+            <a:r>
+              <a:rPr lang="en-US" altLang="ko-KR" sz="1200" b="0" dirty="0">
+                <a:solidFill>
+                  <a:srgbClr val="185E73"/>
+                </a:solidFill>
+                <a:effectLst/>
+                <a:latin typeface="Consolas" panose="020B0609020204030204" pitchFamily="49" charset="0"/>
+              </a:rPr>
+              <a:t>* MultiProvider</a:t>
+            </a:r>
+            <a:r>
+              <a:rPr lang="ko-KR" altLang="en-US" sz="1200" b="0" dirty="0">
+                <a:solidFill>
+                  <a:srgbClr val="185E73"/>
+                </a:solidFill>
+                <a:effectLst/>
+                <a:latin typeface="Consolas" panose="020B0609020204030204" pitchFamily="49" charset="0"/>
+              </a:rPr>
+              <a:t>와 </a:t>
+            </a:r>
+            <a:r>
+              <a:rPr lang="en-US" altLang="ko-KR" sz="1200" b="0" dirty="0">
+                <a:solidFill>
+                  <a:srgbClr val="185E73"/>
+                </a:solidFill>
+                <a:effectLst/>
+                <a:latin typeface="Consolas" panose="020B0609020204030204" pitchFamily="49" charset="0"/>
+              </a:rPr>
+              <a:t>ChangeNotifierProvider</a:t>
+            </a:r>
+            <a:r>
+              <a:rPr lang="ko-KR" altLang="en-US" sz="1200" dirty="0">
+                <a:solidFill>
+                  <a:srgbClr val="185E73"/>
+                </a:solidFill>
+                <a:latin typeface="Consolas" panose="020B0609020204030204" pitchFamily="49" charset="0"/>
+              </a:rPr>
+              <a:t>를 통해서</a:t>
+            </a:r>
+            <a:endParaRPr lang="en-US" altLang="ko-KR" sz="1200" dirty="0">
+              <a:solidFill>
+                <a:srgbClr val="185E73"/>
+              </a:solidFill>
+              <a:latin typeface="Consolas" panose="020B0609020204030204" pitchFamily="49" charset="0"/>
+            </a:endParaRPr>
+          </a:p>
+          <a:p>
+            <a:endParaRPr lang="en-US" altLang="ko-KR" sz="1200" b="0" dirty="0">
+              <a:solidFill>
+                <a:srgbClr val="292929"/>
+              </a:solidFill>
+              <a:effectLst/>
+              <a:latin typeface="Consolas" panose="020B0609020204030204" pitchFamily="49" charset="0"/>
+            </a:endParaRPr>
+          </a:p>
+          <a:p>
+            <a:r>
+              <a:rPr lang="en-US" altLang="ko-KR" sz="1200" dirty="0"/>
+              <a:t>. FishModel</a:t>
+            </a:r>
+            <a:r>
+              <a:rPr lang="ko-KR" altLang="en-US" sz="1200" dirty="0"/>
+              <a:t> 모델은</a:t>
+            </a:r>
+            <a:endParaRPr lang="en-US" altLang="ko-KR" sz="1200" dirty="0"/>
+          </a:p>
+          <a:p>
+            <a:r>
+              <a:rPr lang="en-US" altLang="ko-KR" sz="1200" b="0" dirty="0">
+                <a:solidFill>
+                  <a:srgbClr val="292929"/>
+                </a:solidFill>
+                <a:effectLst/>
+                <a:latin typeface="Consolas" panose="020B0609020204030204" pitchFamily="49" charset="0"/>
+              </a:rPr>
+              <a:t>  - FishOrder, SpciyA, SpicyC 3</a:t>
+            </a:r>
+            <a:r>
+              <a:rPr lang="ko-KR" altLang="en-US" sz="1200" b="0" dirty="0">
+                <a:solidFill>
+                  <a:srgbClr val="292929"/>
+                </a:solidFill>
+                <a:effectLst/>
+                <a:latin typeface="Consolas" panose="020B0609020204030204" pitchFamily="49" charset="0"/>
+              </a:rPr>
+              <a:t>개의 </a:t>
+            </a:r>
+            <a:r>
+              <a:rPr lang="en-US" altLang="ko-KR" sz="1200" b="0" dirty="0">
+                <a:solidFill>
+                  <a:srgbClr val="292929"/>
+                </a:solidFill>
+                <a:effectLst/>
+                <a:latin typeface="Consolas" panose="020B0609020204030204" pitchFamily="49" charset="0"/>
+              </a:rPr>
+              <a:t>class</a:t>
+            </a:r>
+            <a:r>
+              <a:rPr lang="ko-KR" altLang="en-US" sz="1200" b="0" dirty="0">
+                <a:solidFill>
+                  <a:srgbClr val="292929"/>
+                </a:solidFill>
+                <a:effectLst/>
+                <a:latin typeface="Consolas" panose="020B0609020204030204" pitchFamily="49" charset="0"/>
+              </a:rPr>
+              <a:t>에서 사용하고</a:t>
+            </a:r>
+            <a:endParaRPr lang="en-US" altLang="ko-KR" sz="1200" b="0" dirty="0">
+              <a:solidFill>
+                <a:srgbClr val="292929"/>
+              </a:solidFill>
+              <a:effectLst/>
+              <a:latin typeface="Consolas" panose="020B0609020204030204" pitchFamily="49" charset="0"/>
+            </a:endParaRPr>
+          </a:p>
+          <a:p>
+            <a:r>
+              <a:rPr lang="en-US" altLang="ko-KR" sz="1200" dirty="0"/>
+              <a:t>. SeaFishModel </a:t>
+            </a:r>
+            <a:r>
+              <a:rPr lang="ko-KR" altLang="en-US" sz="1200" dirty="0"/>
+              <a:t>모델은</a:t>
+            </a:r>
+            <a:endParaRPr lang="en-US" altLang="ko-KR" sz="1200" dirty="0"/>
+          </a:p>
+          <a:p>
+            <a:r>
+              <a:rPr lang="en-US" altLang="ko-KR" sz="1200" b="0" dirty="0">
+                <a:solidFill>
+                  <a:srgbClr val="292929"/>
+                </a:solidFill>
+                <a:effectLst/>
+                <a:latin typeface="Consolas" panose="020B0609020204030204" pitchFamily="49" charset="0"/>
+              </a:rPr>
+              <a:t>  - SpicyB </a:t>
+            </a:r>
+            <a:r>
+              <a:rPr lang="ko-KR" altLang="en-US" sz="1200" b="0" dirty="0">
+                <a:solidFill>
+                  <a:srgbClr val="292929"/>
+                </a:solidFill>
+                <a:effectLst/>
+                <a:latin typeface="Consolas" panose="020B0609020204030204" pitchFamily="49" charset="0"/>
+              </a:rPr>
+              <a:t>의 </a:t>
+            </a:r>
+            <a:r>
+              <a:rPr lang="en-US" altLang="ko-KR" sz="1200" b="0" dirty="0">
+                <a:solidFill>
+                  <a:srgbClr val="292929"/>
+                </a:solidFill>
+                <a:effectLst/>
+                <a:latin typeface="Consolas" panose="020B0609020204030204" pitchFamily="49" charset="0"/>
+              </a:rPr>
+              <a:t>class</a:t>
+            </a:r>
+            <a:r>
+              <a:rPr lang="ko-KR" altLang="en-US" sz="1200" b="0" dirty="0">
+                <a:solidFill>
+                  <a:srgbClr val="292929"/>
+                </a:solidFill>
+                <a:effectLst/>
+                <a:latin typeface="Consolas" panose="020B0609020204030204" pitchFamily="49" charset="0"/>
+              </a:rPr>
+              <a:t>에서 사용한다</a:t>
+            </a:r>
+            <a:r>
+              <a:rPr lang="en-US" altLang="ko-KR" sz="1200" b="0" dirty="0">
+                <a:solidFill>
+                  <a:srgbClr val="292929"/>
+                </a:solidFill>
+                <a:effectLst/>
+                <a:latin typeface="Consolas" panose="020B0609020204030204" pitchFamily="49" charset="0"/>
+              </a:rPr>
+              <a:t>.</a:t>
+            </a:r>
+          </a:p>
+        </p:txBody>
+      </p:sp>
+      <p:sp>
+        <p:nvSpPr>
+          <p:cNvPr id="30" name="직사각형 29">
+            <a:extLst>
+              <a:ext uri="{FF2B5EF4-FFF2-40B4-BE49-F238E27FC236}">
+                <a16:creationId xmlns:a16="http://schemas.microsoft.com/office/drawing/2014/main" id="{89A926A8-E11F-B5E3-BA4C-46F6BB04A27F}"/>
+              </a:ext>
+            </a:extLst>
+          </p:cNvPr>
+          <p:cNvSpPr/>
+          <p:nvPr/>
+        </p:nvSpPr>
+        <p:spPr>
+          <a:xfrm>
+            <a:off x="589217" y="4028302"/>
+            <a:ext cx="1512168" cy="353906"/>
+          </a:xfrm>
+          <a:prstGeom prst="rect">
+            <a:avLst/>
+          </a:prstGeom>
+          <a:noFill/>
+          <a:ln w="15875"/>
+        </p:spPr>
+        <p:style>
+          <a:lnRef idx="2">
+            <a:schemeClr val="accent1">
+              <a:shade val="50000"/>
+            </a:schemeClr>
+          </a:lnRef>
+          <a:fillRef idx="1">
+            <a:schemeClr val="accent1"/>
+          </a:fillRef>
+          <a:effectRef idx="0">
+            <a:schemeClr val="accent1"/>
+          </a:effectRef>
+          <a:fontRef idx="minor">
+            <a:schemeClr val="lt1"/>
+          </a:fontRef>
+        </p:style>
+        <p:txBody>
+          <a:bodyPr rtlCol="0" anchor="ctr"/>
+          <a:lstStyle/>
+          <a:p>
+            <a:pPr algn="ctr"/>
+            <a:endParaRPr lang="ko-KR" altLang="en-US" dirty="0"/>
+          </a:p>
+        </p:txBody>
+      </p:sp>
+      <p:sp>
+        <p:nvSpPr>
+          <p:cNvPr id="31" name="TextBox 30">
+            <a:extLst>
+              <a:ext uri="{FF2B5EF4-FFF2-40B4-BE49-F238E27FC236}">
+                <a16:creationId xmlns:a16="http://schemas.microsoft.com/office/drawing/2014/main" id="{7C028F19-8DE6-79B6-BD8E-1000C43BB395}"/>
+              </a:ext>
+            </a:extLst>
+          </p:cNvPr>
+          <p:cNvSpPr txBox="1"/>
+          <p:nvPr/>
+        </p:nvSpPr>
+        <p:spPr>
+          <a:xfrm>
+            <a:off x="733233" y="4077157"/>
+            <a:ext cx="819455" cy="276999"/>
+          </a:xfrm>
+          <a:prstGeom prst="rect">
+            <a:avLst/>
+          </a:prstGeom>
+          <a:solidFill>
+            <a:schemeClr val="bg1"/>
+          </a:solidFill>
+        </p:spPr>
+        <p:txBody>
+          <a:bodyPr wrap="none" rtlCol="0">
+            <a:spAutoFit/>
+          </a:bodyPr>
+          <a:lstStyle/>
+          <a:p>
+            <a:r>
+              <a:rPr lang="en-US" altLang="ko-KR" sz="1200" dirty="0">
+                <a:solidFill>
+                  <a:srgbClr val="185E73"/>
+                </a:solidFill>
+                <a:latin typeface="Consolas" panose="020B0609020204030204" pitchFamily="49" charset="0"/>
+              </a:rPr>
+              <a:t>Low</a:t>
+            </a:r>
+            <a:r>
+              <a:rPr lang="en-US" altLang="ko-KR" sz="1200" dirty="0"/>
+              <a:t> class</a:t>
+            </a:r>
+            <a:endParaRPr lang="ko-KR" altLang="en-US" dirty="0"/>
+          </a:p>
+        </p:txBody>
+      </p:sp>
+      <p:sp>
+        <p:nvSpPr>
+          <p:cNvPr id="32" name="직사각형 31">
+            <a:extLst>
+              <a:ext uri="{FF2B5EF4-FFF2-40B4-BE49-F238E27FC236}">
+                <a16:creationId xmlns:a16="http://schemas.microsoft.com/office/drawing/2014/main" id="{EF9020E4-0A27-12F9-A315-EF9E8598FF1D}"/>
+              </a:ext>
+            </a:extLst>
+          </p:cNvPr>
+          <p:cNvSpPr/>
+          <p:nvPr/>
+        </p:nvSpPr>
+        <p:spPr>
+          <a:xfrm>
+            <a:off x="589217" y="4479400"/>
+            <a:ext cx="1512168" cy="353906"/>
+          </a:xfrm>
+          <a:prstGeom prst="rect">
+            <a:avLst/>
+          </a:prstGeom>
+          <a:noFill/>
+          <a:ln w="15875"/>
+        </p:spPr>
+        <p:style>
+          <a:lnRef idx="2">
+            <a:schemeClr val="accent1">
+              <a:shade val="50000"/>
+            </a:schemeClr>
+          </a:lnRef>
+          <a:fillRef idx="1">
+            <a:schemeClr val="accent1"/>
+          </a:fillRef>
+          <a:effectRef idx="0">
+            <a:schemeClr val="accent1"/>
+          </a:effectRef>
+          <a:fontRef idx="minor">
+            <a:schemeClr val="lt1"/>
+          </a:fontRef>
+        </p:style>
+        <p:txBody>
+          <a:bodyPr rtlCol="0" anchor="ctr"/>
+          <a:lstStyle/>
+          <a:p>
+            <a:pPr algn="ctr"/>
+            <a:endParaRPr lang="ko-KR" altLang="en-US" dirty="0"/>
+          </a:p>
+        </p:txBody>
+      </p:sp>
+      <p:sp>
+        <p:nvSpPr>
+          <p:cNvPr id="33" name="TextBox 32">
+            <a:extLst>
+              <a:ext uri="{FF2B5EF4-FFF2-40B4-BE49-F238E27FC236}">
+                <a16:creationId xmlns:a16="http://schemas.microsoft.com/office/drawing/2014/main" id="{BF5D0880-4294-71A7-3DE5-B02F2C87F73D}"/>
+              </a:ext>
+            </a:extLst>
+          </p:cNvPr>
+          <p:cNvSpPr txBox="1"/>
+          <p:nvPr/>
+        </p:nvSpPr>
+        <p:spPr>
+          <a:xfrm>
+            <a:off x="733233" y="4528255"/>
+            <a:ext cx="1074333" cy="276999"/>
+          </a:xfrm>
+          <a:prstGeom prst="rect">
+            <a:avLst/>
+          </a:prstGeom>
+          <a:solidFill>
+            <a:schemeClr val="bg1"/>
+          </a:solidFill>
+        </p:spPr>
+        <p:txBody>
+          <a:bodyPr wrap="none" rtlCol="0">
+            <a:spAutoFit/>
+          </a:bodyPr>
+          <a:lstStyle/>
+          <a:p>
+            <a:r>
+              <a:rPr lang="en-US" altLang="ko-KR" sz="1200" b="0" dirty="0">
+                <a:solidFill>
+                  <a:srgbClr val="185E73"/>
+                </a:solidFill>
+                <a:effectLst/>
+                <a:latin typeface="Consolas" panose="020B0609020204030204" pitchFamily="49" charset="0"/>
+              </a:rPr>
+              <a:t>SpicyC</a:t>
+            </a:r>
+            <a:r>
+              <a:rPr lang="en-US" altLang="ko-KR" sz="1200" dirty="0"/>
+              <a:t> class</a:t>
+            </a:r>
+            <a:endParaRPr lang="ko-KR" altLang="en-US" dirty="0"/>
+          </a:p>
+        </p:txBody>
+      </p:sp>
+      <p:cxnSp>
+        <p:nvCxnSpPr>
+          <p:cNvPr id="34" name="직선 화살표 연결선 33">
+            <a:extLst>
+              <a:ext uri="{FF2B5EF4-FFF2-40B4-BE49-F238E27FC236}">
+                <a16:creationId xmlns:a16="http://schemas.microsoft.com/office/drawing/2014/main" id="{AA2D359D-D8D5-0887-33DE-6A695E782651}"/>
+              </a:ext>
+            </a:extLst>
+          </p:cNvPr>
+          <p:cNvCxnSpPr>
+            <a:cxnSpLocks/>
+          </p:cNvCxnSpPr>
+          <p:nvPr/>
+        </p:nvCxnSpPr>
+        <p:spPr>
+          <a:xfrm>
+            <a:off x="1885361" y="4249661"/>
+            <a:ext cx="0" cy="456901"/>
+          </a:xfrm>
+          <a:prstGeom prst="straightConnector1">
+            <a:avLst/>
+          </a:prstGeom>
+          <a:ln>
+            <a:headEnd type="oval"/>
+            <a:tailEnd type="triangle"/>
+          </a:ln>
+        </p:spPr>
+        <p:style>
+          <a:lnRef idx="1">
+            <a:schemeClr val="accent1"/>
+          </a:lnRef>
+          <a:fillRef idx="0">
+            <a:schemeClr val="accent1"/>
+          </a:fillRef>
+          <a:effectRef idx="0">
+            <a:schemeClr val="accent1"/>
+          </a:effectRef>
+          <a:fontRef idx="minor">
+            <a:schemeClr val="tx1"/>
+          </a:fontRef>
+        </p:style>
+      </p:cxnSp>
+      <p:cxnSp>
+        <p:nvCxnSpPr>
+          <p:cNvPr id="41" name="직선 화살표 연결선 40">
+            <a:extLst>
+              <a:ext uri="{FF2B5EF4-FFF2-40B4-BE49-F238E27FC236}">
+                <a16:creationId xmlns:a16="http://schemas.microsoft.com/office/drawing/2014/main" id="{93288E65-F651-0B2A-5EF8-A24F0579812A}"/>
+              </a:ext>
+            </a:extLst>
+          </p:cNvPr>
+          <p:cNvCxnSpPr>
+            <a:cxnSpLocks/>
+          </p:cNvCxnSpPr>
+          <p:nvPr/>
+        </p:nvCxnSpPr>
+        <p:spPr>
+          <a:xfrm>
+            <a:off x="1758914" y="3799851"/>
+            <a:ext cx="0" cy="456901"/>
+          </a:xfrm>
+          <a:prstGeom prst="straightConnector1">
+            <a:avLst/>
+          </a:prstGeom>
+          <a:ln>
+            <a:headEnd type="oval"/>
+            <a:tailEnd type="triangle"/>
+          </a:ln>
+        </p:spPr>
+        <p:style>
+          <a:lnRef idx="1">
+            <a:schemeClr val="accent1"/>
+          </a:lnRef>
+          <a:fillRef idx="0">
+            <a:schemeClr val="accent1"/>
+          </a:fillRef>
+          <a:effectRef idx="0">
+            <a:schemeClr val="accent1"/>
+          </a:effectRef>
+          <a:fontRef idx="minor">
+            <a:schemeClr val="tx1"/>
+          </a:fontRef>
+        </p:style>
+      </p:cxnSp>
+      <p:sp>
+        <p:nvSpPr>
+          <p:cNvPr id="42" name="직사각형 41">
+            <a:extLst>
+              <a:ext uri="{FF2B5EF4-FFF2-40B4-BE49-F238E27FC236}">
+                <a16:creationId xmlns:a16="http://schemas.microsoft.com/office/drawing/2014/main" id="{63487207-EE50-BE25-36A9-7EC463AD6211}"/>
+              </a:ext>
+            </a:extLst>
+          </p:cNvPr>
+          <p:cNvSpPr/>
+          <p:nvPr/>
+        </p:nvSpPr>
+        <p:spPr>
+          <a:xfrm>
+            <a:off x="578793" y="1775234"/>
+            <a:ext cx="1512168" cy="353906"/>
+          </a:xfrm>
+          <a:prstGeom prst="rect">
+            <a:avLst/>
+          </a:prstGeom>
+          <a:noFill/>
+          <a:ln w="15875"/>
+        </p:spPr>
+        <p:style>
+          <a:lnRef idx="2">
+            <a:schemeClr val="accent1">
+              <a:shade val="50000"/>
+            </a:schemeClr>
+          </a:lnRef>
+          <a:fillRef idx="1">
+            <a:schemeClr val="accent1"/>
+          </a:fillRef>
+          <a:effectRef idx="0">
+            <a:schemeClr val="accent1"/>
+          </a:effectRef>
+          <a:fontRef idx="minor">
+            <a:schemeClr val="lt1"/>
+          </a:fontRef>
+        </p:style>
+        <p:txBody>
+          <a:bodyPr rtlCol="0" anchor="ctr"/>
+          <a:lstStyle/>
+          <a:p>
+            <a:pPr algn="ctr"/>
+            <a:endParaRPr lang="ko-KR" altLang="en-US" dirty="0"/>
+          </a:p>
+        </p:txBody>
+      </p:sp>
+      <p:cxnSp>
+        <p:nvCxnSpPr>
+          <p:cNvPr id="43" name="직선 화살표 연결선 42">
+            <a:extLst>
+              <a:ext uri="{FF2B5EF4-FFF2-40B4-BE49-F238E27FC236}">
+                <a16:creationId xmlns:a16="http://schemas.microsoft.com/office/drawing/2014/main" id="{250F6E23-5694-ED66-42A7-287E84EC6648}"/>
+              </a:ext>
+            </a:extLst>
+          </p:cNvPr>
+          <p:cNvCxnSpPr>
+            <a:cxnSpLocks/>
+          </p:cNvCxnSpPr>
+          <p:nvPr/>
+        </p:nvCxnSpPr>
+        <p:spPr>
+          <a:xfrm>
+            <a:off x="1685273" y="2059018"/>
+            <a:ext cx="0" cy="407441"/>
+          </a:xfrm>
+          <a:prstGeom prst="straightConnector1">
+            <a:avLst/>
+          </a:prstGeom>
+          <a:ln>
+            <a:headEnd type="oval"/>
+            <a:tailEnd type="triangle"/>
+          </a:ln>
+        </p:spPr>
+        <p:style>
+          <a:lnRef idx="1">
+            <a:schemeClr val="accent1"/>
+          </a:lnRef>
+          <a:fillRef idx="0">
+            <a:schemeClr val="accent1"/>
+          </a:fillRef>
+          <a:effectRef idx="0">
+            <a:schemeClr val="accent1"/>
+          </a:effectRef>
+          <a:fontRef idx="minor">
+            <a:schemeClr val="tx1"/>
+          </a:fontRef>
+        </p:style>
+      </p:cxnSp>
+      <p:sp>
+        <p:nvSpPr>
+          <p:cNvPr id="44" name="TextBox 43">
+            <a:extLst>
+              <a:ext uri="{FF2B5EF4-FFF2-40B4-BE49-F238E27FC236}">
+                <a16:creationId xmlns:a16="http://schemas.microsoft.com/office/drawing/2014/main" id="{6938E18C-6509-D401-F5D2-6AB859B402A0}"/>
+              </a:ext>
+            </a:extLst>
+          </p:cNvPr>
+          <p:cNvSpPr txBox="1"/>
+          <p:nvPr/>
+        </p:nvSpPr>
+        <p:spPr>
+          <a:xfrm>
+            <a:off x="724608" y="1827177"/>
+            <a:ext cx="857351" cy="276999"/>
+          </a:xfrm>
+          <a:prstGeom prst="rect">
+            <a:avLst/>
+          </a:prstGeom>
+          <a:solidFill>
+            <a:schemeClr val="bg1"/>
+          </a:solidFill>
+        </p:spPr>
+        <p:txBody>
+          <a:bodyPr wrap="none" rtlCol="0">
+            <a:spAutoFit/>
+          </a:bodyPr>
+          <a:lstStyle/>
+          <a:p>
+            <a:r>
+              <a:rPr lang="en-US" altLang="ko-KR" sz="1200" dirty="0"/>
+              <a:t>FishOrder</a:t>
+            </a:r>
+            <a:endParaRPr lang="ko-KR" altLang="en-US" dirty="0"/>
+          </a:p>
+        </p:txBody>
+      </p:sp>
+      <p:sp>
+        <p:nvSpPr>
+          <p:cNvPr id="47" name="TextBox 46">
+            <a:extLst>
+              <a:ext uri="{FF2B5EF4-FFF2-40B4-BE49-F238E27FC236}">
+                <a16:creationId xmlns:a16="http://schemas.microsoft.com/office/drawing/2014/main" id="{322164FF-9A47-ED75-52DA-007F89B3ECEE}"/>
+              </a:ext>
+            </a:extLst>
+          </p:cNvPr>
+          <p:cNvSpPr txBox="1"/>
+          <p:nvPr/>
+        </p:nvSpPr>
+        <p:spPr>
+          <a:xfrm>
+            <a:off x="2525297" y="883899"/>
+            <a:ext cx="1512168" cy="276999"/>
+          </a:xfrm>
+          <a:prstGeom prst="rect">
+            <a:avLst/>
+          </a:prstGeom>
+          <a:solidFill>
+            <a:schemeClr val="bg1">
+              <a:lumMod val="95000"/>
+            </a:schemeClr>
+          </a:solidFill>
+        </p:spPr>
+        <p:txBody>
+          <a:bodyPr wrap="square" rtlCol="0">
+            <a:spAutoFit/>
+          </a:bodyPr>
+          <a:lstStyle/>
+          <a:p>
+            <a:r>
+              <a:rPr lang="en-US" altLang="ko-KR" sz="1200" b="0" dirty="0">
+                <a:solidFill>
+                  <a:srgbClr val="185E73"/>
+                </a:solidFill>
+                <a:effectLst/>
+                <a:latin typeface="Consolas" panose="020B0609020204030204" pitchFamily="49" charset="0"/>
+              </a:rPr>
+              <a:t>MultiProvider</a:t>
+            </a:r>
+            <a:endParaRPr lang="ko-KR" altLang="en-US" sz="1200" dirty="0"/>
+          </a:p>
+        </p:txBody>
+      </p:sp>
+      <p:sp>
+        <p:nvSpPr>
+          <p:cNvPr id="49" name="TextBox 48">
+            <a:extLst>
+              <a:ext uri="{FF2B5EF4-FFF2-40B4-BE49-F238E27FC236}">
+                <a16:creationId xmlns:a16="http://schemas.microsoft.com/office/drawing/2014/main" id="{02693C7B-8D67-2CFD-72E7-DF5E766FFB3B}"/>
+              </a:ext>
+            </a:extLst>
+          </p:cNvPr>
+          <p:cNvSpPr txBox="1"/>
+          <p:nvPr/>
+        </p:nvSpPr>
+        <p:spPr>
+          <a:xfrm>
+            <a:off x="2699792" y="1238422"/>
+            <a:ext cx="2157839" cy="276999"/>
+          </a:xfrm>
+          <a:prstGeom prst="rect">
+            <a:avLst/>
+          </a:prstGeom>
+          <a:solidFill>
+            <a:schemeClr val="bg1">
+              <a:lumMod val="95000"/>
+            </a:schemeClr>
+          </a:solidFill>
+        </p:spPr>
+        <p:txBody>
+          <a:bodyPr wrap="square">
+            <a:spAutoFit/>
+          </a:bodyPr>
+          <a:lstStyle/>
+          <a:p>
+            <a:r>
+              <a:rPr lang="en-US" altLang="ko-KR" sz="1200" b="0" dirty="0">
+                <a:solidFill>
+                  <a:srgbClr val="185E73"/>
+                </a:solidFill>
+                <a:effectLst/>
+                <a:latin typeface="Consolas" panose="020B0609020204030204" pitchFamily="49" charset="0"/>
+              </a:rPr>
+              <a:t>ChangeNotifierProvider</a:t>
+            </a:r>
+            <a:endParaRPr lang="ko-KR" altLang="en-US" sz="1200" dirty="0"/>
+          </a:p>
+        </p:txBody>
+      </p:sp>
+      <p:sp>
+        <p:nvSpPr>
+          <p:cNvPr id="50" name="TextBox 49">
+            <a:extLst>
+              <a:ext uri="{FF2B5EF4-FFF2-40B4-BE49-F238E27FC236}">
+                <a16:creationId xmlns:a16="http://schemas.microsoft.com/office/drawing/2014/main" id="{60009CE8-45A8-8D0E-9EAE-02900FA72CAE}"/>
+              </a:ext>
+            </a:extLst>
+          </p:cNvPr>
+          <p:cNvSpPr txBox="1"/>
+          <p:nvPr/>
+        </p:nvSpPr>
+        <p:spPr>
+          <a:xfrm>
+            <a:off x="2722385" y="2114074"/>
+            <a:ext cx="2157839" cy="276999"/>
+          </a:xfrm>
+          <a:prstGeom prst="rect">
+            <a:avLst/>
+          </a:prstGeom>
+          <a:solidFill>
+            <a:schemeClr val="bg1">
+              <a:lumMod val="95000"/>
+            </a:schemeClr>
+          </a:solidFill>
+        </p:spPr>
+        <p:txBody>
+          <a:bodyPr wrap="square">
+            <a:spAutoFit/>
+          </a:bodyPr>
+          <a:lstStyle/>
+          <a:p>
+            <a:r>
+              <a:rPr lang="en-US" altLang="ko-KR" sz="1200" b="0" dirty="0">
+                <a:solidFill>
+                  <a:srgbClr val="185E73"/>
+                </a:solidFill>
+                <a:effectLst/>
+                <a:latin typeface="Consolas" panose="020B0609020204030204" pitchFamily="49" charset="0"/>
+              </a:rPr>
+              <a:t>ChangeNotifierProvider</a:t>
+            </a:r>
+            <a:endParaRPr lang="ko-KR" altLang="en-US" sz="1200" dirty="0"/>
+          </a:p>
+        </p:txBody>
+      </p:sp>
     </p:spTree>
     <p:extLst>
       <p:ext uri="{BB962C8B-B14F-4D97-AF65-F5344CB8AC3E}">

--- a/provider_pattern/provider_pattern.pptx
+++ b/provider_pattern/provider_pattern.pptx
@@ -5314,7 +5314,7 @@
         <p:grpSpPr>
           <a:xfrm>
             <a:off x="2660298" y="1368257"/>
-            <a:ext cx="2703790" cy="669037"/>
+            <a:ext cx="3063830" cy="669037"/>
             <a:chOff x="611560" y="125733"/>
             <a:chExt cx="1512168" cy="428267"/>
           </a:xfrm>
@@ -5387,7 +5387,7 @@
           <p:spPr>
             <a:xfrm>
               <a:off x="728642" y="246419"/>
-              <a:ext cx="904415" cy="276999"/>
+              <a:ext cx="1232801" cy="295523"/>
             </a:xfrm>
             <a:prstGeom prst="rect">
               <a:avLst/>
@@ -5402,8 +5402,20 @@
             <a:p>
               <a:r>
                 <a:rPr lang="en-US" altLang="ko-KR" sz="1200" dirty="0"/>
-                <a:t>FishModel</a:t>
+                <a:t>FishModel with </a:t>
               </a:r>
+              <a:r>
+                <a:rPr lang="en-US" altLang="ko-KR" sz="1200" b="0" dirty="0">
+                  <a:solidFill>
+                    <a:srgbClr val="292929"/>
+                  </a:solidFill>
+                  <a:effectLst/>
+                  <a:latin typeface="Consolas" panose="020B0609020204030204" pitchFamily="49" charset="0"/>
+                </a:rPr>
+                <a:t>ChangeNotifier</a:t>
+              </a:r>
+            </a:p>
+            <a:p>
               <a:endParaRPr lang="ko-KR" altLang="en-US" sz="1200" dirty="0"/>
             </a:p>
           </p:txBody>
@@ -5424,7 +5436,7 @@
         <p:grpSpPr>
           <a:xfrm>
             <a:off x="2660298" y="2264429"/>
-            <a:ext cx="2703790" cy="669037"/>
+            <a:ext cx="3067637" cy="669037"/>
             <a:chOff x="611560" y="125733"/>
             <a:chExt cx="1512168" cy="428267"/>
           </a:xfrm>
@@ -5497,7 +5509,7 @@
           <p:spPr>
             <a:xfrm>
               <a:off x="728642" y="271546"/>
-              <a:ext cx="1149674" cy="276999"/>
+              <a:ext cx="1393209" cy="177314"/>
             </a:xfrm>
             <a:prstGeom prst="rect">
               <a:avLst/>
@@ -5505,14 +5517,24 @@
             <a:grpFill/>
           </p:spPr>
           <p:txBody>
-            <a:bodyPr wrap="none" rtlCol="0">
+            <a:bodyPr wrap="square" rtlCol="0">
               <a:spAutoFit/>
             </a:bodyPr>
             <a:lstStyle/>
             <a:p>
               <a:r>
                 <a:rPr lang="en-US" altLang="ko-KR" sz="1200" dirty="0"/>
-                <a:t>SeaFishModel</a:t>
+                <a:t>SeaFishModel with </a:t>
+              </a:r>
+              <a:r>
+                <a:rPr lang="en-US" altLang="ko-KR" sz="1200" b="0" dirty="0">
+                  <a:solidFill>
+                    <a:srgbClr val="292929"/>
+                  </a:solidFill>
+                  <a:effectLst/>
+                  <a:latin typeface="Consolas" panose="020B0609020204030204" pitchFamily="49" charset="0"/>
+                </a:rPr>
+                <a:t>ChangeNotifier</a:t>
               </a:r>
               <a:endParaRPr lang="ko-KR" altLang="en-US" sz="1200" dirty="0"/>
             </a:p>
@@ -6151,8 +6173,9 @@
             <a:avLst/>
           </a:prstGeom>
           <a:solidFill>
-            <a:schemeClr val="bg1">
-              <a:lumMod val="95000"/>
+            <a:schemeClr val="accent4">
+              <a:lumMod val="20000"/>
+              <a:lumOff val="80000"/>
             </a:schemeClr>
           </a:solidFill>
         </p:spPr>
@@ -6197,8 +6220,9 @@
             <a:avLst/>
           </a:prstGeom>
           <a:solidFill>
-            <a:schemeClr val="bg1">
-              <a:lumMod val="95000"/>
+            <a:schemeClr val="accent4">
+              <a:lumMod val="20000"/>
+              <a:lumOff val="80000"/>
             </a:schemeClr>
           </a:solidFill>
         </p:spPr>
@@ -6243,8 +6267,9 @@
             <a:avLst/>
           </a:prstGeom>
           <a:solidFill>
-            <a:schemeClr val="bg1">
-              <a:lumMod val="95000"/>
+            <a:schemeClr val="accent4">
+              <a:lumMod val="20000"/>
+              <a:lumOff val="80000"/>
             </a:schemeClr>
           </a:solidFill>
         </p:spPr>
